--- a/postfix/mailgateway-pt2.pptx
+++ b/postfix/mailgateway-pt2.pptx
@@ -12,9 +12,10 @@
     <p:sldId id="259" r:id="rId6"/>
     <p:sldId id="260" r:id="rId7"/>
     <p:sldId id="262" r:id="rId8"/>
-    <p:sldId id="263" r:id="rId9"/>
-    <p:sldId id="264" r:id="rId10"/>
-    <p:sldId id="265" r:id="rId11"/>
+    <p:sldId id="272" r:id="rId9"/>
+    <p:sldId id="263" r:id="rId10"/>
+    <p:sldId id="264" r:id="rId11"/>
+    <p:sldId id="265" r:id="rId12"/>
   </p:sldIdLst>
   <p:sldSz cx="9144000" cy="6858000" type="screen4x3"/>
   <p:notesSz cx="6858000" cy="9144000"/>
@@ -297,7 +298,7 @@
           <a:p>
             <a:fld id="{03950108-52B0-2342-B9DD-68BFB658BDA7}" type="datetimeFigureOut">
               <a:rPr lang="en-US" smtClean="0"/>
-              <a:t>5/28/15</a:t>
+              <a:t>30/05/16</a:t>
             </a:fld>
             <a:endParaRPr lang="en-US"/>
           </a:p>
@@ -467,7 +468,7 @@
           <a:p>
             <a:fld id="{03950108-52B0-2342-B9DD-68BFB658BDA7}" type="datetimeFigureOut">
               <a:rPr lang="en-US" smtClean="0"/>
-              <a:t>5/28/15</a:t>
+              <a:t>30/05/16</a:t>
             </a:fld>
             <a:endParaRPr lang="en-US"/>
           </a:p>
@@ -647,7 +648,7 @@
           <a:p>
             <a:fld id="{03950108-52B0-2342-B9DD-68BFB658BDA7}" type="datetimeFigureOut">
               <a:rPr lang="en-US" smtClean="0"/>
-              <a:t>5/28/15</a:t>
+              <a:t>30/05/16</a:t>
             </a:fld>
             <a:endParaRPr lang="en-US"/>
           </a:p>
@@ -817,7 +818,7 @@
           <a:p>
             <a:fld id="{03950108-52B0-2342-B9DD-68BFB658BDA7}" type="datetimeFigureOut">
               <a:rPr lang="en-US" smtClean="0"/>
-              <a:t>5/28/15</a:t>
+              <a:t>30/05/16</a:t>
             </a:fld>
             <a:endParaRPr lang="en-US"/>
           </a:p>
@@ -1063,7 +1064,7 @@
           <a:p>
             <a:fld id="{03950108-52B0-2342-B9DD-68BFB658BDA7}" type="datetimeFigureOut">
               <a:rPr lang="en-US" smtClean="0"/>
-              <a:t>5/28/15</a:t>
+              <a:t>30/05/16</a:t>
             </a:fld>
             <a:endParaRPr lang="en-US"/>
           </a:p>
@@ -1351,7 +1352,7 @@
           <a:p>
             <a:fld id="{03950108-52B0-2342-B9DD-68BFB658BDA7}" type="datetimeFigureOut">
               <a:rPr lang="en-US" smtClean="0"/>
-              <a:t>5/28/15</a:t>
+              <a:t>30/05/16</a:t>
             </a:fld>
             <a:endParaRPr lang="en-US"/>
           </a:p>
@@ -1773,7 +1774,7 @@
           <a:p>
             <a:fld id="{03950108-52B0-2342-B9DD-68BFB658BDA7}" type="datetimeFigureOut">
               <a:rPr lang="en-US" smtClean="0"/>
-              <a:t>5/28/15</a:t>
+              <a:t>30/05/16</a:t>
             </a:fld>
             <a:endParaRPr lang="en-US"/>
           </a:p>
@@ -1891,7 +1892,7 @@
           <a:p>
             <a:fld id="{03950108-52B0-2342-B9DD-68BFB658BDA7}" type="datetimeFigureOut">
               <a:rPr lang="en-US" smtClean="0"/>
-              <a:t>5/28/15</a:t>
+              <a:t>30/05/16</a:t>
             </a:fld>
             <a:endParaRPr lang="en-US"/>
           </a:p>
@@ -1986,7 +1987,7 @@
           <a:p>
             <a:fld id="{03950108-52B0-2342-B9DD-68BFB658BDA7}" type="datetimeFigureOut">
               <a:rPr lang="en-US" smtClean="0"/>
-              <a:t>5/28/15</a:t>
+              <a:t>30/05/16</a:t>
             </a:fld>
             <a:endParaRPr lang="en-US"/>
           </a:p>
@@ -2263,7 +2264,7 @@
           <a:p>
             <a:fld id="{03950108-52B0-2342-B9DD-68BFB658BDA7}" type="datetimeFigureOut">
               <a:rPr lang="en-US" smtClean="0"/>
-              <a:t>5/28/15</a:t>
+              <a:t>30/05/16</a:t>
             </a:fld>
             <a:endParaRPr lang="en-US"/>
           </a:p>
@@ -2516,7 +2517,7 @@
           <a:p>
             <a:fld id="{03950108-52B0-2342-B9DD-68BFB658BDA7}" type="datetimeFigureOut">
               <a:rPr lang="en-US" smtClean="0"/>
-              <a:t>5/28/15</a:t>
+              <a:t>30/05/16</a:t>
             </a:fld>
             <a:endParaRPr lang="en-US"/>
           </a:p>
@@ -2729,7 +2730,7 @@
           <a:p>
             <a:fld id="{03950108-52B0-2342-B9DD-68BFB658BDA7}" type="datetimeFigureOut">
               <a:rPr lang="en-US" smtClean="0"/>
-              <a:t>5/28/15</a:t>
+              <a:t>30/05/16</a:t>
             </a:fld>
             <a:endParaRPr lang="en-US"/>
           </a:p>
@@ -3200,15 +3201,90 @@
           <a:p>
             <a:r>
               <a:rPr lang="en-US" b="1" dirty="0" smtClean="0"/>
-              <a:t>Enter </a:t>
-            </a:r>
+              <a:t>Select Internet Site</a:t>
+            </a:r>
+            <a:endParaRPr lang="en-US" b="1" dirty="0"/>
+          </a:p>
+        </p:txBody>
+      </p:sp>
+      <p:pic>
+        <p:nvPicPr>
+          <p:cNvPr id="4" name="Picture 3" descr="Screen Shot 2015-05-27 at 5.03.27 PM.png"/>
+          <p:cNvPicPr>
+            <a:picLocks noChangeAspect="1"/>
+          </p:cNvPicPr>
+          <p:nvPr/>
+        </p:nvPicPr>
+        <p:blipFill>
+          <a:blip r:embed="rId2">
+            <a:extLst>
+              <a:ext uri="{28A0092B-C50C-407E-A947-70E740481C1C}">
+                <a14:useLocalDpi xmlns:a14="http://schemas.microsoft.com/office/drawing/2010/main" val="0"/>
+              </a:ext>
+            </a:extLst>
+          </a:blip>
+          <a:stretch>
+            <a:fillRect/>
+          </a:stretch>
+        </p:blipFill>
+        <p:spPr>
+          <a:xfrm>
+            <a:off x="2146300" y="1892300"/>
+            <a:ext cx="4851400" cy="3060700"/>
+          </a:xfrm>
+          <a:prstGeom prst="rect">
+            <a:avLst/>
+          </a:prstGeom>
+        </p:spPr>
+      </p:pic>
+    </p:spTree>
+    <p:extLst>
+      <p:ext uri="{BB962C8B-B14F-4D97-AF65-F5344CB8AC3E}">
+        <p14:creationId xmlns:p14="http://schemas.microsoft.com/office/powerpoint/2010/main" val="3701850789"/>
+      </p:ext>
+    </p:extLst>
+  </p:cSld>
+  <p:clrMapOvr>
+    <a:masterClrMapping/>
+  </p:clrMapOvr>
+</p:sld>
+</file>
+
+<file path=ppt/slides/slide11.xml><?xml version="1.0" encoding="utf-8"?>
+<p:sld xmlns:a="http://schemas.openxmlformats.org/drawingml/2006/main" xmlns:r="http://schemas.openxmlformats.org/officeDocument/2006/relationships" xmlns:p="http://schemas.openxmlformats.org/presentationml/2006/main">
+  <p:cSld>
+    <p:spTree>
+      <p:nvGrpSpPr>
+        <p:cNvPr id="1" name=""/>
+        <p:cNvGrpSpPr/>
+        <p:nvPr/>
+      </p:nvGrpSpPr>
+      <p:grpSpPr>
+        <a:xfrm>
+          <a:off x="0" y="0"/>
+          <a:ext cx="0" cy="0"/>
+          <a:chOff x="0" y="0"/>
+          <a:chExt cx="0" cy="0"/>
+        </a:xfrm>
+      </p:grpSpPr>
+      <p:sp>
+        <p:nvSpPr>
+          <p:cNvPr id="2" name="Title 1"/>
+          <p:cNvSpPr>
+            <a:spLocks noGrp="1"/>
+          </p:cNvSpPr>
+          <p:nvPr>
+            <p:ph type="title"/>
+          </p:nvPr>
+        </p:nvSpPr>
+        <p:spPr/>
+        <p:txBody>
+          <a:bodyPr/>
+          <a:lstStyle/>
+          <a:p>
             <a:r>
               <a:rPr lang="en-US" b="1" dirty="0" smtClean="0"/>
-              <a:t>your </a:t>
-            </a:r>
-            <a:r>
-              <a:rPr lang="en-US" b="1" dirty="0" smtClean="0"/>
-              <a:t>Name</a:t>
+              <a:t>Enter your Name</a:t>
             </a:r>
             <a:endParaRPr lang="en-US" b="1" dirty="0"/>
           </a:p>
@@ -3878,6 +3954,93 @@
         </p:nvSpPr>
         <p:spPr/>
         <p:txBody>
+          <a:bodyPr/>
+          <a:lstStyle/>
+          <a:p>
+            <a:r>
+              <a:rPr lang="en-US" b="1" dirty="0" err="1" smtClean="0"/>
+              <a:t>Ramdisk</a:t>
+            </a:r>
+            <a:r>
+              <a:rPr lang="en-US" b="1" dirty="0" smtClean="0"/>
+              <a:t> – Use the default</a:t>
+            </a:r>
+            <a:endParaRPr lang="en-US" b="1" dirty="0"/>
+          </a:p>
+        </p:txBody>
+      </p:sp>
+      <p:pic>
+        <p:nvPicPr>
+          <p:cNvPr id="4" name="Picture 3" descr="Screen Shot 2016-05-30 at 4.10.07 PM.png"/>
+          <p:cNvPicPr>
+            <a:picLocks noChangeAspect="1"/>
+          </p:cNvPicPr>
+          <p:nvPr/>
+        </p:nvPicPr>
+        <p:blipFill>
+          <a:blip r:embed="rId2">
+            <a:extLst>
+              <a:ext uri="{28A0092B-C50C-407E-A947-70E740481C1C}">
+                <a14:useLocalDpi xmlns:a14="http://schemas.microsoft.com/office/drawing/2010/main" val="0"/>
+              </a:ext>
+            </a:extLst>
+          </a:blip>
+          <a:stretch>
+            <a:fillRect/>
+          </a:stretch>
+        </p:blipFill>
+        <p:spPr>
+          <a:xfrm>
+            <a:off x="266700" y="1643945"/>
+            <a:ext cx="8610600" cy="4940300"/>
+          </a:xfrm>
+          <a:prstGeom prst="rect">
+            <a:avLst/>
+          </a:prstGeom>
+        </p:spPr>
+      </p:pic>
+    </p:spTree>
+    <p:extLst>
+      <p:ext uri="{BB962C8B-B14F-4D97-AF65-F5344CB8AC3E}">
+        <p14:creationId xmlns:p14="http://schemas.microsoft.com/office/powerpoint/2010/main" val="3117491470"/>
+      </p:ext>
+    </p:extLst>
+  </p:cSld>
+  <p:clrMapOvr>
+    <a:masterClrMapping/>
+  </p:clrMapOvr>
+</p:sld>
+</file>
+
+<file path=ppt/slides/slide9.xml><?xml version="1.0" encoding="utf-8"?>
+<p:sld xmlns:a="http://schemas.openxmlformats.org/drawingml/2006/main" xmlns:r="http://schemas.openxmlformats.org/officeDocument/2006/relationships" xmlns:p="http://schemas.openxmlformats.org/presentationml/2006/main">
+  <p:cSld>
+    <p:spTree>
+      <p:nvGrpSpPr>
+        <p:cNvPr id="1" name=""/>
+        <p:cNvGrpSpPr/>
+        <p:nvPr/>
+      </p:nvGrpSpPr>
+      <p:grpSpPr>
+        <a:xfrm>
+          <a:off x="0" y="0"/>
+          <a:ext cx="0" cy="0"/>
+          <a:chOff x="0" y="0"/>
+          <a:chExt cx="0" cy="0"/>
+        </a:xfrm>
+      </p:grpSpPr>
+      <p:sp>
+        <p:nvSpPr>
+          <p:cNvPr id="2" name="Title 1"/>
+          <p:cNvSpPr>
+            <a:spLocks noGrp="1"/>
+          </p:cNvSpPr>
+          <p:nvPr>
+            <p:ph type="title"/>
+          </p:nvPr>
+        </p:nvSpPr>
+        <p:spPr/>
+        <p:txBody>
           <a:bodyPr>
             <a:normAutofit fontScale="90000"/>
           </a:bodyPr>
@@ -3925,89 +4088,6 @@
     <p:extLst>
       <p:ext uri="{BB962C8B-B14F-4D97-AF65-F5344CB8AC3E}">
         <p14:creationId xmlns:p14="http://schemas.microsoft.com/office/powerpoint/2010/main" val="443292104"/>
-      </p:ext>
-    </p:extLst>
-  </p:cSld>
-  <p:clrMapOvr>
-    <a:masterClrMapping/>
-  </p:clrMapOvr>
-</p:sld>
-</file>
-
-<file path=ppt/slides/slide9.xml><?xml version="1.0" encoding="utf-8"?>
-<p:sld xmlns:a="http://schemas.openxmlformats.org/drawingml/2006/main" xmlns:r="http://schemas.openxmlformats.org/officeDocument/2006/relationships" xmlns:p="http://schemas.openxmlformats.org/presentationml/2006/main">
-  <p:cSld>
-    <p:spTree>
-      <p:nvGrpSpPr>
-        <p:cNvPr id="1" name=""/>
-        <p:cNvGrpSpPr/>
-        <p:nvPr/>
-      </p:nvGrpSpPr>
-      <p:grpSpPr>
-        <a:xfrm>
-          <a:off x="0" y="0"/>
-          <a:ext cx="0" cy="0"/>
-          <a:chOff x="0" y="0"/>
-          <a:chExt cx="0" cy="0"/>
-        </a:xfrm>
-      </p:grpSpPr>
-      <p:sp>
-        <p:nvSpPr>
-          <p:cNvPr id="2" name="Title 1"/>
-          <p:cNvSpPr>
-            <a:spLocks noGrp="1"/>
-          </p:cNvSpPr>
-          <p:nvPr>
-            <p:ph type="title"/>
-          </p:nvPr>
-        </p:nvSpPr>
-        <p:spPr/>
-        <p:txBody>
-          <a:bodyPr/>
-          <a:lstStyle/>
-          <a:p>
-            <a:r>
-              <a:rPr lang="en-US" b="1" dirty="0" smtClean="0"/>
-              <a:t>Select Internet Site</a:t>
-            </a:r>
-            <a:endParaRPr lang="en-US" b="1" dirty="0"/>
-          </a:p>
-        </p:txBody>
-      </p:sp>
-      <p:pic>
-        <p:nvPicPr>
-          <p:cNvPr id="4" name="Picture 3" descr="Screen Shot 2015-05-27 at 5.03.27 PM.png"/>
-          <p:cNvPicPr>
-            <a:picLocks noChangeAspect="1"/>
-          </p:cNvPicPr>
-          <p:nvPr/>
-        </p:nvPicPr>
-        <p:blipFill>
-          <a:blip r:embed="rId2">
-            <a:extLst>
-              <a:ext uri="{28A0092B-C50C-407E-A947-70E740481C1C}">
-                <a14:useLocalDpi xmlns:a14="http://schemas.microsoft.com/office/drawing/2010/main" val="0"/>
-              </a:ext>
-            </a:extLst>
-          </a:blip>
-          <a:stretch>
-            <a:fillRect/>
-          </a:stretch>
-        </p:blipFill>
-        <p:spPr>
-          <a:xfrm>
-            <a:off x="2146300" y="1892300"/>
-            <a:ext cx="4851400" cy="3060700"/>
-          </a:xfrm>
-          <a:prstGeom prst="rect">
-            <a:avLst/>
-          </a:prstGeom>
-        </p:spPr>
-      </p:pic>
-    </p:spTree>
-    <p:extLst>
-      <p:ext uri="{BB962C8B-B14F-4D97-AF65-F5344CB8AC3E}">
-        <p14:creationId xmlns:p14="http://schemas.microsoft.com/office/powerpoint/2010/main" val="3701850789"/>
       </p:ext>
     </p:extLst>
   </p:cSld>

--- a/postfix/mailgateway-pt2.pptx
+++ b/postfix/mailgateway-pt2.pptx
@@ -16,6 +16,7 @@
     <p:sldId id="263" r:id="rId10"/>
     <p:sldId id="264" r:id="rId11"/>
     <p:sldId id="265" r:id="rId12"/>
+    <p:sldId id="273" r:id="rId13"/>
   </p:sldIdLst>
   <p:sldSz cx="9144000" cy="6858000" type="screen4x3"/>
   <p:notesSz cx="6858000" cy="9144000"/>
@@ -3399,6 +3400,134 @@
     <p:extLst>
       <p:ext uri="{BB962C8B-B14F-4D97-AF65-F5344CB8AC3E}">
         <p14:creationId xmlns:p14="http://schemas.microsoft.com/office/powerpoint/2010/main" val="3332952049"/>
+      </p:ext>
+    </p:extLst>
+  </p:cSld>
+  <p:clrMapOvr>
+    <a:masterClrMapping/>
+  </p:clrMapOvr>
+</p:sld>
+</file>
+
+<file path=ppt/slides/slide12.xml><?xml version="1.0" encoding="utf-8"?>
+<p:sld xmlns:a="http://schemas.openxmlformats.org/drawingml/2006/main" xmlns:r="http://schemas.openxmlformats.org/officeDocument/2006/relationships" xmlns:p="http://schemas.openxmlformats.org/presentationml/2006/main">
+  <p:cSld>
+    <p:spTree>
+      <p:nvGrpSpPr>
+        <p:cNvPr id="1" name=""/>
+        <p:cNvGrpSpPr/>
+        <p:nvPr/>
+      </p:nvGrpSpPr>
+      <p:grpSpPr>
+        <a:xfrm>
+          <a:off x="0" y="0"/>
+          <a:ext cx="0" cy="0"/>
+          <a:chOff x="0" y="0"/>
+          <a:chExt cx="0" cy="0"/>
+        </a:xfrm>
+      </p:grpSpPr>
+      <p:sp>
+        <p:nvSpPr>
+          <p:cNvPr id="2" name="Title 1"/>
+          <p:cNvSpPr>
+            <a:spLocks noGrp="1"/>
+          </p:cNvSpPr>
+          <p:nvPr>
+            <p:ph type="title"/>
+          </p:nvPr>
+        </p:nvSpPr>
+        <p:spPr>
+          <a:xfrm>
+            <a:off x="191911" y="401638"/>
+            <a:ext cx="8229600" cy="1602140"/>
+          </a:xfrm>
+        </p:spPr>
+        <p:txBody>
+          <a:bodyPr>
+            <a:normAutofit/>
+          </a:bodyPr>
+          <a:lstStyle/>
+          <a:p>
+            <a:r>
+              <a:rPr lang="en-US" b="1" dirty="0" smtClean="0"/>
+              <a:t>Set your </a:t>
+            </a:r>
+            <a:r>
+              <a:rPr lang="en-US" b="1" dirty="0" err="1" smtClean="0"/>
+              <a:t>afnog</a:t>
+            </a:r>
+            <a:r>
+              <a:rPr lang="en-US" b="1" dirty="0" smtClean="0"/>
+              <a:t> email address to receive spam reports</a:t>
+            </a:r>
+            <a:endParaRPr lang="en-US" b="1" dirty="0"/>
+          </a:p>
+        </p:txBody>
+      </p:sp>
+      <p:pic>
+        <p:nvPicPr>
+          <p:cNvPr id="7" name="Picture 6" descr="Screen Shot 2016-05-30 at 4.26.37 PM.png"/>
+          <p:cNvPicPr>
+            <a:picLocks noChangeAspect="1"/>
+          </p:cNvPicPr>
+          <p:nvPr/>
+        </p:nvPicPr>
+        <p:blipFill>
+          <a:blip r:embed="rId2">
+            <a:extLst>
+              <a:ext uri="{28A0092B-C50C-407E-A947-70E740481C1C}">
+                <a14:useLocalDpi xmlns:a14="http://schemas.microsoft.com/office/drawing/2010/main" val="0"/>
+              </a:ext>
+            </a:extLst>
+          </a:blip>
+          <a:stretch>
+            <a:fillRect/>
+          </a:stretch>
+        </p:blipFill>
+        <p:spPr>
+          <a:xfrm>
+            <a:off x="328948" y="2681111"/>
+            <a:ext cx="8092563" cy="1306689"/>
+          </a:xfrm>
+          <a:prstGeom prst="rect">
+            <a:avLst/>
+          </a:prstGeom>
+        </p:spPr>
+      </p:pic>
+      <p:sp>
+        <p:nvSpPr>
+          <p:cNvPr id="8" name="TextBox 7"/>
+          <p:cNvSpPr txBox="1"/>
+          <p:nvPr/>
+        </p:nvSpPr>
+        <p:spPr>
+          <a:xfrm>
+            <a:off x="2723444" y="4953000"/>
+            <a:ext cx="3082895" cy="369332"/>
+          </a:xfrm>
+          <a:prstGeom prst="rect">
+            <a:avLst/>
+          </a:prstGeom>
+          <a:noFill/>
+        </p:spPr>
+        <p:txBody>
+          <a:bodyPr wrap="none" rtlCol="0">
+            <a:spAutoFit/>
+          </a:bodyPr>
+          <a:lstStyle/>
+          <a:p>
+            <a:r>
+              <a:rPr lang="en-US" b="1" dirty="0" err="1" smtClean="0"/>
+              <a:t>afnog@pcXX.sse.ws.afnog.org</a:t>
+            </a:r>
+            <a:endParaRPr lang="en-US" b="1" dirty="0"/>
+          </a:p>
+        </p:txBody>
+      </p:sp>
+    </p:spTree>
+    <p:extLst>
+      <p:ext uri="{BB962C8B-B14F-4D97-AF65-F5344CB8AC3E}">
+        <p14:creationId xmlns:p14="http://schemas.microsoft.com/office/powerpoint/2010/main" val="1871453773"/>
       </p:ext>
     </p:extLst>
   </p:cSld>

--- a/postfix/mailgateway-pt2.pptx
+++ b/postfix/mailgateway-pt2.pptx
@@ -17,6 +17,7 @@
     <p:sldId id="264" r:id="rId11"/>
     <p:sldId id="265" r:id="rId12"/>
     <p:sldId id="273" r:id="rId13"/>
+    <p:sldId id="274" r:id="rId14"/>
   </p:sldIdLst>
   <p:sldSz cx="9144000" cy="6858000" type="screen4x3"/>
   <p:notesSz cx="6858000" cy="9144000"/>
@@ -3528,6 +3529,89 @@
     <p:extLst>
       <p:ext uri="{BB962C8B-B14F-4D97-AF65-F5344CB8AC3E}">
         <p14:creationId xmlns:p14="http://schemas.microsoft.com/office/powerpoint/2010/main" val="1871453773"/>
+      </p:ext>
+    </p:extLst>
+  </p:cSld>
+  <p:clrMapOvr>
+    <a:masterClrMapping/>
+  </p:clrMapOvr>
+</p:sld>
+</file>
+
+<file path=ppt/slides/slide13.xml><?xml version="1.0" encoding="utf-8"?>
+<p:sld xmlns:a="http://schemas.openxmlformats.org/drawingml/2006/main" xmlns:r="http://schemas.openxmlformats.org/officeDocument/2006/relationships" xmlns:p="http://schemas.openxmlformats.org/presentationml/2006/main">
+  <p:cSld>
+    <p:spTree>
+      <p:nvGrpSpPr>
+        <p:cNvPr id="1" name=""/>
+        <p:cNvGrpSpPr/>
+        <p:nvPr/>
+      </p:nvGrpSpPr>
+      <p:grpSpPr>
+        <a:xfrm>
+          <a:off x="0" y="0"/>
+          <a:ext cx="0" cy="0"/>
+          <a:chOff x="0" y="0"/>
+          <a:chExt cx="0" cy="0"/>
+        </a:xfrm>
+      </p:grpSpPr>
+      <p:sp>
+        <p:nvSpPr>
+          <p:cNvPr id="2" name="Title 1"/>
+          <p:cNvSpPr>
+            <a:spLocks noGrp="1"/>
+          </p:cNvSpPr>
+          <p:nvPr>
+            <p:ph type="title"/>
+          </p:nvPr>
+        </p:nvSpPr>
+        <p:spPr/>
+        <p:txBody>
+          <a:bodyPr/>
+          <a:lstStyle/>
+          <a:p>
+            <a:r>
+              <a:rPr lang="en-US" dirty="0" smtClean="0"/>
+              <a:t>End of installation</a:t>
+            </a:r>
+            <a:endParaRPr lang="en-US" dirty="0"/>
+          </a:p>
+        </p:txBody>
+      </p:sp>
+      <p:pic>
+        <p:nvPicPr>
+          <p:cNvPr id="5" name="Picture 4" descr="Screen Shot 2016-05-30 at 4.35.34 PM.png"/>
+          <p:cNvPicPr>
+            <a:picLocks noChangeAspect="1"/>
+          </p:cNvPicPr>
+          <p:nvPr/>
+        </p:nvPicPr>
+        <p:blipFill>
+          <a:blip r:embed="rId2">
+            <a:extLst>
+              <a:ext uri="{28A0092B-C50C-407E-A947-70E740481C1C}">
+                <a14:useLocalDpi xmlns:a14="http://schemas.microsoft.com/office/drawing/2010/main" val="0"/>
+              </a:ext>
+            </a:extLst>
+          </a:blip>
+          <a:stretch>
+            <a:fillRect/>
+          </a:stretch>
+        </p:blipFill>
+        <p:spPr>
+          <a:xfrm>
+            <a:off x="1244600" y="2540000"/>
+            <a:ext cx="6642100" cy="1778000"/>
+          </a:xfrm>
+          <a:prstGeom prst="rect">
+            <a:avLst/>
+          </a:prstGeom>
+        </p:spPr>
+      </p:pic>
+    </p:spTree>
+    <p:extLst>
+      <p:ext uri="{BB962C8B-B14F-4D97-AF65-F5344CB8AC3E}">
+        <p14:creationId xmlns:p14="http://schemas.microsoft.com/office/powerpoint/2010/main" val="125417170"/>
       </p:ext>
     </p:extLst>
   </p:cSld>

--- a/postfix/mailgateway-pt2.pptx
+++ b/postfix/mailgateway-pt2.pptx
@@ -3571,10 +3571,10 @@
           <a:lstStyle/>
           <a:p>
             <a:r>
-              <a:rPr lang="en-US" dirty="0" smtClean="0"/>
+              <a:rPr lang="en-US" b="1" dirty="0" smtClean="0"/>
               <a:t>End of installation</a:t>
             </a:r>
-            <a:endParaRPr lang="en-US" dirty="0"/>
+            <a:endParaRPr lang="en-US" b="1" dirty="0"/>
           </a:p>
         </p:txBody>
       </p:sp>

--- a/postfix/mailgateway-pt2.pptx
+++ b/postfix/mailgateway-pt2.pptx
@@ -300,7 +300,7 @@
           <a:p>
             <a:fld id="{03950108-52B0-2342-B9DD-68BFB658BDA7}" type="datetimeFigureOut">
               <a:rPr lang="en-US" smtClean="0"/>
-              <a:t>30/05/16</a:t>
+              <a:t>31/05/16</a:t>
             </a:fld>
             <a:endParaRPr lang="en-US"/>
           </a:p>
@@ -470,7 +470,7 @@
           <a:p>
             <a:fld id="{03950108-52B0-2342-B9DD-68BFB658BDA7}" type="datetimeFigureOut">
               <a:rPr lang="en-US" smtClean="0"/>
-              <a:t>30/05/16</a:t>
+              <a:t>31/05/16</a:t>
             </a:fld>
             <a:endParaRPr lang="en-US"/>
           </a:p>
@@ -650,7 +650,7 @@
           <a:p>
             <a:fld id="{03950108-52B0-2342-B9DD-68BFB658BDA7}" type="datetimeFigureOut">
               <a:rPr lang="en-US" smtClean="0"/>
-              <a:t>30/05/16</a:t>
+              <a:t>31/05/16</a:t>
             </a:fld>
             <a:endParaRPr lang="en-US"/>
           </a:p>
@@ -820,7 +820,7 @@
           <a:p>
             <a:fld id="{03950108-52B0-2342-B9DD-68BFB658BDA7}" type="datetimeFigureOut">
               <a:rPr lang="en-US" smtClean="0"/>
-              <a:t>30/05/16</a:t>
+              <a:t>31/05/16</a:t>
             </a:fld>
             <a:endParaRPr lang="en-US"/>
           </a:p>
@@ -1066,7 +1066,7 @@
           <a:p>
             <a:fld id="{03950108-52B0-2342-B9DD-68BFB658BDA7}" type="datetimeFigureOut">
               <a:rPr lang="en-US" smtClean="0"/>
-              <a:t>30/05/16</a:t>
+              <a:t>31/05/16</a:t>
             </a:fld>
             <a:endParaRPr lang="en-US"/>
           </a:p>
@@ -1354,7 +1354,7 @@
           <a:p>
             <a:fld id="{03950108-52B0-2342-B9DD-68BFB658BDA7}" type="datetimeFigureOut">
               <a:rPr lang="en-US" smtClean="0"/>
-              <a:t>30/05/16</a:t>
+              <a:t>31/05/16</a:t>
             </a:fld>
             <a:endParaRPr lang="en-US"/>
           </a:p>
@@ -1776,7 +1776,7 @@
           <a:p>
             <a:fld id="{03950108-52B0-2342-B9DD-68BFB658BDA7}" type="datetimeFigureOut">
               <a:rPr lang="en-US" smtClean="0"/>
-              <a:t>30/05/16</a:t>
+              <a:t>31/05/16</a:t>
             </a:fld>
             <a:endParaRPr lang="en-US"/>
           </a:p>
@@ -1894,7 +1894,7 @@
           <a:p>
             <a:fld id="{03950108-52B0-2342-B9DD-68BFB658BDA7}" type="datetimeFigureOut">
               <a:rPr lang="en-US" smtClean="0"/>
-              <a:t>30/05/16</a:t>
+              <a:t>31/05/16</a:t>
             </a:fld>
             <a:endParaRPr lang="en-US"/>
           </a:p>
@@ -1989,7 +1989,7 @@
           <a:p>
             <a:fld id="{03950108-52B0-2342-B9DD-68BFB658BDA7}" type="datetimeFigureOut">
               <a:rPr lang="en-US" smtClean="0"/>
-              <a:t>30/05/16</a:t>
+              <a:t>31/05/16</a:t>
             </a:fld>
             <a:endParaRPr lang="en-US"/>
           </a:p>
@@ -2266,7 +2266,7 @@
           <a:p>
             <a:fld id="{03950108-52B0-2342-B9DD-68BFB658BDA7}" type="datetimeFigureOut">
               <a:rPr lang="en-US" smtClean="0"/>
-              <a:t>30/05/16</a:t>
+              <a:t>31/05/16</a:t>
             </a:fld>
             <a:endParaRPr lang="en-US"/>
           </a:p>
@@ -2519,7 +2519,7 @@
           <a:p>
             <a:fld id="{03950108-52B0-2342-B9DD-68BFB658BDA7}" type="datetimeFigureOut">
               <a:rPr lang="en-US" smtClean="0"/>
-              <a:t>30/05/16</a:t>
+              <a:t>31/05/16</a:t>
             </a:fld>
             <a:endParaRPr lang="en-US"/>
           </a:p>
@@ -2732,7 +2732,7 @@
           <a:p>
             <a:fld id="{03950108-52B0-2342-B9DD-68BFB658BDA7}" type="datetimeFigureOut">
               <a:rPr lang="en-US" smtClean="0"/>
-              <a:t>30/05/16</a:t>
+              <a:t>31/05/16</a:t>
             </a:fld>
             <a:endParaRPr lang="en-US"/>
           </a:p>
@@ -3504,7 +3504,7 @@
         <p:spPr>
           <a:xfrm>
             <a:off x="2723444" y="4953000"/>
-            <a:ext cx="3082895" cy="369332"/>
+            <a:ext cx="2424800" cy="369332"/>
           </a:xfrm>
           <a:prstGeom prst="rect">
             <a:avLst/>
@@ -3519,7 +3519,11 @@
           <a:p>
             <a:r>
               <a:rPr lang="en-US" b="1" dirty="0" err="1" smtClean="0"/>
-              <a:t>afnog@pcXX.sse.ws.afnog.org</a:t>
+              <a:t>afnog</a:t>
+            </a:r>
+            <a:r>
+              <a:rPr lang="en-US" b="1" dirty="0" err="1" smtClean="0"/>
+              <a:t>@XXX.afnog.guru</a:t>
             </a:r>
             <a:endParaRPr lang="en-US" b="1" dirty="0"/>
           </a:p>

--- a/postfix/mailgateway-pt2.pptx
+++ b/postfix/mailgateway-pt2.pptx
@@ -300,7 +300,7 @@
           <a:p>
             <a:fld id="{03950108-52B0-2342-B9DD-68BFB658BDA7}" type="datetimeFigureOut">
               <a:rPr lang="en-US" smtClean="0"/>
-              <a:t>31/05/16</a:t>
+              <a:t>01/06/16</a:t>
             </a:fld>
             <a:endParaRPr lang="en-US"/>
           </a:p>
@@ -470,7 +470,7 @@
           <a:p>
             <a:fld id="{03950108-52B0-2342-B9DD-68BFB658BDA7}" type="datetimeFigureOut">
               <a:rPr lang="en-US" smtClean="0"/>
-              <a:t>31/05/16</a:t>
+              <a:t>01/06/16</a:t>
             </a:fld>
             <a:endParaRPr lang="en-US"/>
           </a:p>
@@ -650,7 +650,7 @@
           <a:p>
             <a:fld id="{03950108-52B0-2342-B9DD-68BFB658BDA7}" type="datetimeFigureOut">
               <a:rPr lang="en-US" smtClean="0"/>
-              <a:t>31/05/16</a:t>
+              <a:t>01/06/16</a:t>
             </a:fld>
             <a:endParaRPr lang="en-US"/>
           </a:p>
@@ -820,7 +820,7 @@
           <a:p>
             <a:fld id="{03950108-52B0-2342-B9DD-68BFB658BDA7}" type="datetimeFigureOut">
               <a:rPr lang="en-US" smtClean="0"/>
-              <a:t>31/05/16</a:t>
+              <a:t>01/06/16</a:t>
             </a:fld>
             <a:endParaRPr lang="en-US"/>
           </a:p>
@@ -1066,7 +1066,7 @@
           <a:p>
             <a:fld id="{03950108-52B0-2342-B9DD-68BFB658BDA7}" type="datetimeFigureOut">
               <a:rPr lang="en-US" smtClean="0"/>
-              <a:t>31/05/16</a:t>
+              <a:t>01/06/16</a:t>
             </a:fld>
             <a:endParaRPr lang="en-US"/>
           </a:p>
@@ -1354,7 +1354,7 @@
           <a:p>
             <a:fld id="{03950108-52B0-2342-B9DD-68BFB658BDA7}" type="datetimeFigureOut">
               <a:rPr lang="en-US" smtClean="0"/>
-              <a:t>31/05/16</a:t>
+              <a:t>01/06/16</a:t>
             </a:fld>
             <a:endParaRPr lang="en-US"/>
           </a:p>
@@ -1776,7 +1776,7 @@
           <a:p>
             <a:fld id="{03950108-52B0-2342-B9DD-68BFB658BDA7}" type="datetimeFigureOut">
               <a:rPr lang="en-US" smtClean="0"/>
-              <a:t>31/05/16</a:t>
+              <a:t>01/06/16</a:t>
             </a:fld>
             <a:endParaRPr lang="en-US"/>
           </a:p>
@@ -1894,7 +1894,7 @@
           <a:p>
             <a:fld id="{03950108-52B0-2342-B9DD-68BFB658BDA7}" type="datetimeFigureOut">
               <a:rPr lang="en-US" smtClean="0"/>
-              <a:t>31/05/16</a:t>
+              <a:t>01/06/16</a:t>
             </a:fld>
             <a:endParaRPr lang="en-US"/>
           </a:p>
@@ -1989,7 +1989,7 @@
           <a:p>
             <a:fld id="{03950108-52B0-2342-B9DD-68BFB658BDA7}" type="datetimeFigureOut">
               <a:rPr lang="en-US" smtClean="0"/>
-              <a:t>31/05/16</a:t>
+              <a:t>01/06/16</a:t>
             </a:fld>
             <a:endParaRPr lang="en-US"/>
           </a:p>
@@ -2266,7 +2266,7 @@
           <a:p>
             <a:fld id="{03950108-52B0-2342-B9DD-68BFB658BDA7}" type="datetimeFigureOut">
               <a:rPr lang="en-US" smtClean="0"/>
-              <a:t>31/05/16</a:t>
+              <a:t>01/06/16</a:t>
             </a:fld>
             <a:endParaRPr lang="en-US"/>
           </a:p>
@@ -2519,7 +2519,7 @@
           <a:p>
             <a:fld id="{03950108-52B0-2342-B9DD-68BFB658BDA7}" type="datetimeFigureOut">
               <a:rPr lang="en-US" smtClean="0"/>
-              <a:t>31/05/16</a:t>
+              <a:t>01/06/16</a:t>
             </a:fld>
             <a:endParaRPr lang="en-US"/>
           </a:p>
@@ -2732,7 +2732,7 @@
           <a:p>
             <a:fld id="{03950108-52B0-2342-B9DD-68BFB658BDA7}" type="datetimeFigureOut">
               <a:rPr lang="en-US" smtClean="0"/>
-              <a:t>31/05/16</a:t>
+              <a:t>01/06/16</a:t>
             </a:fld>
             <a:endParaRPr lang="en-US"/>
           </a:p>
@@ -3124,7 +3124,15 @@
           <a:p>
             <a:r>
               <a:rPr lang="en-US" b="1" dirty="0" smtClean="0"/>
-              <a:t>Mail Gateway – Part 2</a:t>
+              <a:t>Email server</a:t>
+            </a:r>
+            <a:r>
+              <a:rPr lang="en-US" b="1" smtClean="0"/>
+              <a:t>/Email </a:t>
+            </a:r>
+            <a:r>
+              <a:rPr lang="en-US" b="1" dirty="0" smtClean="0"/>
+              <a:t>Gateway – Part 2</a:t>
             </a:r>
             <a:endParaRPr lang="en-US" b="1" dirty="0"/>
           </a:p>
@@ -3519,11 +3527,7 @@
           <a:p>
             <a:r>
               <a:rPr lang="en-US" b="1" dirty="0" err="1" smtClean="0"/>
-              <a:t>afnog</a:t>
-            </a:r>
-            <a:r>
-              <a:rPr lang="en-US" b="1" dirty="0" err="1" smtClean="0"/>
-              <a:t>@XXX.afnog.guru</a:t>
+              <a:t>afnog@XXX.afnog.guru</a:t>
             </a:r>
             <a:endParaRPr lang="en-US" b="1" dirty="0"/>
           </a:p>

--- a/postfix/mailgateway-pt2.pptx
+++ b/postfix/mailgateway-pt2.pptx
@@ -116,6 +116,22 @@
       </a:defRPr>
     </a:lvl9pPr>
   </p:defaultTextStyle>
+  <p:extLst>
+    <p:ext uri="{EFAFB233-063F-42B5-8137-9DF3F51BA10A}">
+      <p15:sldGuideLst xmlns:p15="http://schemas.microsoft.com/office/powerpoint/2012/main">
+        <p15:guide id="1" orient="horz" pos="2160">
+          <p15:clr>
+            <a:srgbClr val="A4A3A4"/>
+          </p15:clr>
+        </p15:guide>
+        <p15:guide id="2" pos="2880">
+          <p15:clr>
+            <a:srgbClr val="A4A3A4"/>
+          </p15:clr>
+        </p15:guide>
+      </p15:sldGuideLst>
+    </p:ext>
+  </p:extLst>
 </p:presentation>
 </file>
 
@@ -300,7 +316,7 @@
           <a:p>
             <a:fld id="{03950108-52B0-2342-B9DD-68BFB658BDA7}" type="datetimeFigureOut">
               <a:rPr lang="en-US" smtClean="0"/>
-              <a:t>01/06/16</a:t>
+              <a:t>5/23/17</a:t>
             </a:fld>
             <a:endParaRPr lang="en-US"/>
           </a:p>
@@ -470,7 +486,7 @@
           <a:p>
             <a:fld id="{03950108-52B0-2342-B9DD-68BFB658BDA7}" type="datetimeFigureOut">
               <a:rPr lang="en-US" smtClean="0"/>
-              <a:t>01/06/16</a:t>
+              <a:t>5/23/17</a:t>
             </a:fld>
             <a:endParaRPr lang="en-US"/>
           </a:p>
@@ -650,7 +666,7 @@
           <a:p>
             <a:fld id="{03950108-52B0-2342-B9DD-68BFB658BDA7}" type="datetimeFigureOut">
               <a:rPr lang="en-US" smtClean="0"/>
-              <a:t>01/06/16</a:t>
+              <a:t>5/23/17</a:t>
             </a:fld>
             <a:endParaRPr lang="en-US"/>
           </a:p>
@@ -820,7 +836,7 @@
           <a:p>
             <a:fld id="{03950108-52B0-2342-B9DD-68BFB658BDA7}" type="datetimeFigureOut">
               <a:rPr lang="en-US" smtClean="0"/>
-              <a:t>01/06/16</a:t>
+              <a:t>5/23/17</a:t>
             </a:fld>
             <a:endParaRPr lang="en-US"/>
           </a:p>
@@ -1066,7 +1082,7 @@
           <a:p>
             <a:fld id="{03950108-52B0-2342-B9DD-68BFB658BDA7}" type="datetimeFigureOut">
               <a:rPr lang="en-US" smtClean="0"/>
-              <a:t>01/06/16</a:t>
+              <a:t>5/23/17</a:t>
             </a:fld>
             <a:endParaRPr lang="en-US"/>
           </a:p>
@@ -1354,7 +1370,7 @@
           <a:p>
             <a:fld id="{03950108-52B0-2342-B9DD-68BFB658BDA7}" type="datetimeFigureOut">
               <a:rPr lang="en-US" smtClean="0"/>
-              <a:t>01/06/16</a:t>
+              <a:t>5/23/17</a:t>
             </a:fld>
             <a:endParaRPr lang="en-US"/>
           </a:p>
@@ -1776,7 +1792,7 @@
           <a:p>
             <a:fld id="{03950108-52B0-2342-B9DD-68BFB658BDA7}" type="datetimeFigureOut">
               <a:rPr lang="en-US" smtClean="0"/>
-              <a:t>01/06/16</a:t>
+              <a:t>5/23/17</a:t>
             </a:fld>
             <a:endParaRPr lang="en-US"/>
           </a:p>
@@ -1894,7 +1910,7 @@
           <a:p>
             <a:fld id="{03950108-52B0-2342-B9DD-68BFB658BDA7}" type="datetimeFigureOut">
               <a:rPr lang="en-US" smtClean="0"/>
-              <a:t>01/06/16</a:t>
+              <a:t>5/23/17</a:t>
             </a:fld>
             <a:endParaRPr lang="en-US"/>
           </a:p>
@@ -1989,7 +2005,7 @@
           <a:p>
             <a:fld id="{03950108-52B0-2342-B9DD-68BFB658BDA7}" type="datetimeFigureOut">
               <a:rPr lang="en-US" smtClean="0"/>
-              <a:t>01/06/16</a:t>
+              <a:t>5/23/17</a:t>
             </a:fld>
             <a:endParaRPr lang="en-US"/>
           </a:p>
@@ -2266,7 +2282,7 @@
           <a:p>
             <a:fld id="{03950108-52B0-2342-B9DD-68BFB658BDA7}" type="datetimeFigureOut">
               <a:rPr lang="en-US" smtClean="0"/>
-              <a:t>01/06/16</a:t>
+              <a:t>5/23/17</a:t>
             </a:fld>
             <a:endParaRPr lang="en-US"/>
           </a:p>
@@ -2519,7 +2535,7 @@
           <a:p>
             <a:fld id="{03950108-52B0-2342-B9DD-68BFB658BDA7}" type="datetimeFigureOut">
               <a:rPr lang="en-US" smtClean="0"/>
-              <a:t>01/06/16</a:t>
+              <a:t>5/23/17</a:t>
             </a:fld>
             <a:endParaRPr lang="en-US"/>
           </a:p>
@@ -2732,7 +2748,7 @@
           <a:p>
             <a:fld id="{03950108-52B0-2342-B9DD-68BFB658BDA7}" type="datetimeFigureOut">
               <a:rPr lang="en-US" smtClean="0"/>
-              <a:t>01/06/16</a:t>
+              <a:t>5/23/17</a:t>
             </a:fld>
             <a:endParaRPr lang="en-US"/>
           </a:p>
@@ -3733,9 +3749,49 @@
           <a:chExt cx="0" cy="0"/>
         </a:xfrm>
       </p:grpSpPr>
+      <p:sp>
+        <p:nvSpPr>
+          <p:cNvPr id="7" name="Title 1"/>
+          <p:cNvSpPr>
+            <a:spLocks noGrp="1"/>
+          </p:cNvSpPr>
+          <p:nvPr>
+            <p:ph type="title"/>
+          </p:nvPr>
+        </p:nvSpPr>
+        <p:spPr>
+          <a:xfrm>
+            <a:off x="457200" y="274638"/>
+            <a:ext cx="8229600" cy="1143000"/>
+          </a:xfrm>
+        </p:spPr>
+        <p:txBody>
+          <a:bodyPr/>
+          <a:lstStyle/>
+          <a:p>
+            <a:r>
+              <a:rPr lang="en-US" b="1" dirty="0" smtClean="0"/>
+              <a:t>Do </a:t>
+            </a:r>
+            <a:r>
+              <a:rPr lang="en-US" b="1" dirty="0" err="1" smtClean="0"/>
+              <a:t>NOT</a:t>
+            </a:r>
+            <a:r>
+              <a:rPr lang="en-US" b="1" dirty="0" err="1" smtClean="0"/>
+              <a:t>Install</a:t>
+            </a:r>
+            <a:r>
+              <a:rPr lang="en-US" b="1" dirty="0" smtClean="0"/>
+              <a:t> any MTA</a:t>
+            </a:r>
+            <a:endParaRPr lang="en-US" b="1" dirty="0"/>
+          </a:p>
+        </p:txBody>
+      </p:sp>
       <p:pic>
         <p:nvPicPr>
-          <p:cNvPr id="6" name="Picture 5" descr="Screen Shot 2015-05-27 at 5.01.11 PM.png"/>
+          <p:cNvPr id="2" name="Picture 1"/>
           <p:cNvPicPr>
             <a:picLocks noChangeAspect="1"/>
           </p:cNvPicPr>
@@ -3755,42 +3811,14 @@
         </p:blipFill>
         <p:spPr>
           <a:xfrm>
-            <a:off x="321163" y="1917700"/>
-            <a:ext cx="9144000" cy="3019011"/>
+            <a:off x="215900" y="1841500"/>
+            <a:ext cx="8699500" cy="3175000"/>
           </a:xfrm>
           <a:prstGeom prst="rect">
             <a:avLst/>
           </a:prstGeom>
         </p:spPr>
       </p:pic>
-      <p:sp>
-        <p:nvSpPr>
-          <p:cNvPr id="7" name="Title 1"/>
-          <p:cNvSpPr>
-            <a:spLocks noGrp="1"/>
-          </p:cNvSpPr>
-          <p:nvPr>
-            <p:ph type="title"/>
-          </p:nvPr>
-        </p:nvSpPr>
-        <p:spPr>
-          <a:xfrm>
-            <a:off x="457200" y="274638"/>
-            <a:ext cx="8229600" cy="1143000"/>
-          </a:xfrm>
-        </p:spPr>
-        <p:txBody>
-          <a:bodyPr/>
-          <a:lstStyle/>
-          <a:p>
-            <a:r>
-              <a:rPr lang="en-US" b="1" dirty="0" smtClean="0"/>
-              <a:t>Install Postfix</a:t>
-            </a:r>
-            <a:endParaRPr lang="en-US" b="1" dirty="0"/>
-          </a:p>
-        </p:txBody>
-      </p:sp>
     </p:spTree>
     <p:extLst>
       <p:ext uri="{BB962C8B-B14F-4D97-AF65-F5344CB8AC3E}">

--- a/postfix/mailgateway-pt2.pptx
+++ b/postfix/mailgateway-pt2.pptx
@@ -3770,20 +3770,16 @@
           <a:lstStyle/>
           <a:p>
             <a:r>
+              <a:rPr lang="en-US" b="1" smtClean="0"/>
+              <a:t>Do NOT </a:t>
+            </a:r>
+            <a:r>
+              <a:rPr lang="en-US" b="1" smtClean="0"/>
+              <a:t>Install </a:t>
+            </a:r>
+            <a:r>
               <a:rPr lang="en-US" b="1" dirty="0" smtClean="0"/>
-              <a:t>Do </a:t>
-            </a:r>
-            <a:r>
-              <a:rPr lang="en-US" b="1" dirty="0" err="1" smtClean="0"/>
-              <a:t>NOT</a:t>
-            </a:r>
-            <a:r>
-              <a:rPr lang="en-US" b="1" dirty="0" err="1" smtClean="0"/>
-              <a:t>Install</a:t>
-            </a:r>
-            <a:r>
-              <a:rPr lang="en-US" b="1" dirty="0" smtClean="0"/>
-              <a:t> any MTA</a:t>
+              <a:t>any MTA</a:t>
             </a:r>
             <a:endParaRPr lang="en-US" b="1" dirty="0"/>
           </a:p>

--- a/postfix/mailgateway-pt2.pptx
+++ b/postfix/mailgateway-pt2.pptx
@@ -13,11 +13,8 @@
     <p:sldId id="260" r:id="rId7"/>
     <p:sldId id="262" r:id="rId8"/>
     <p:sldId id="272" r:id="rId9"/>
-    <p:sldId id="263" r:id="rId10"/>
-    <p:sldId id="264" r:id="rId11"/>
-    <p:sldId id="265" r:id="rId12"/>
-    <p:sldId id="273" r:id="rId13"/>
-    <p:sldId id="274" r:id="rId14"/>
+    <p:sldId id="273" r:id="rId10"/>
+    <p:sldId id="274" r:id="rId11"/>
   </p:sldIdLst>
   <p:sldSz cx="9144000" cy="6858000" type="screen4x3"/>
   <p:notesSz cx="6858000" cy="9144000"/>
@@ -3227,375 +3224,6 @@
           <a:p>
             <a:r>
               <a:rPr lang="en-US" b="1" dirty="0" smtClean="0"/>
-              <a:t>Select Internet Site</a:t>
-            </a:r>
-            <a:endParaRPr lang="en-US" b="1" dirty="0"/>
-          </a:p>
-        </p:txBody>
-      </p:sp>
-      <p:pic>
-        <p:nvPicPr>
-          <p:cNvPr id="4" name="Picture 3" descr="Screen Shot 2015-05-27 at 5.03.27 PM.png"/>
-          <p:cNvPicPr>
-            <a:picLocks noChangeAspect="1"/>
-          </p:cNvPicPr>
-          <p:nvPr/>
-        </p:nvPicPr>
-        <p:blipFill>
-          <a:blip r:embed="rId2">
-            <a:extLst>
-              <a:ext uri="{28A0092B-C50C-407E-A947-70E740481C1C}">
-                <a14:useLocalDpi xmlns:a14="http://schemas.microsoft.com/office/drawing/2010/main" val="0"/>
-              </a:ext>
-            </a:extLst>
-          </a:blip>
-          <a:stretch>
-            <a:fillRect/>
-          </a:stretch>
-        </p:blipFill>
-        <p:spPr>
-          <a:xfrm>
-            <a:off x="2146300" y="1892300"/>
-            <a:ext cx="4851400" cy="3060700"/>
-          </a:xfrm>
-          <a:prstGeom prst="rect">
-            <a:avLst/>
-          </a:prstGeom>
-        </p:spPr>
-      </p:pic>
-    </p:spTree>
-    <p:extLst>
-      <p:ext uri="{BB962C8B-B14F-4D97-AF65-F5344CB8AC3E}">
-        <p14:creationId xmlns:p14="http://schemas.microsoft.com/office/powerpoint/2010/main" val="3701850789"/>
-      </p:ext>
-    </p:extLst>
-  </p:cSld>
-  <p:clrMapOvr>
-    <a:masterClrMapping/>
-  </p:clrMapOvr>
-</p:sld>
-</file>
-
-<file path=ppt/slides/slide11.xml><?xml version="1.0" encoding="utf-8"?>
-<p:sld xmlns:a="http://schemas.openxmlformats.org/drawingml/2006/main" xmlns:r="http://schemas.openxmlformats.org/officeDocument/2006/relationships" xmlns:p="http://schemas.openxmlformats.org/presentationml/2006/main">
-  <p:cSld>
-    <p:spTree>
-      <p:nvGrpSpPr>
-        <p:cNvPr id="1" name=""/>
-        <p:cNvGrpSpPr/>
-        <p:nvPr/>
-      </p:nvGrpSpPr>
-      <p:grpSpPr>
-        <a:xfrm>
-          <a:off x="0" y="0"/>
-          <a:ext cx="0" cy="0"/>
-          <a:chOff x="0" y="0"/>
-          <a:chExt cx="0" cy="0"/>
-        </a:xfrm>
-      </p:grpSpPr>
-      <p:sp>
-        <p:nvSpPr>
-          <p:cNvPr id="2" name="Title 1"/>
-          <p:cNvSpPr>
-            <a:spLocks noGrp="1"/>
-          </p:cNvSpPr>
-          <p:nvPr>
-            <p:ph type="title"/>
-          </p:nvPr>
-        </p:nvSpPr>
-        <p:spPr/>
-        <p:txBody>
-          <a:bodyPr/>
-          <a:lstStyle/>
-          <a:p>
-            <a:r>
-              <a:rPr lang="en-US" b="1" dirty="0" smtClean="0"/>
-              <a:t>Enter your Name</a:t>
-            </a:r>
-            <a:endParaRPr lang="en-US" b="1" dirty="0"/>
-          </a:p>
-        </p:txBody>
-      </p:sp>
-      <p:pic>
-        <p:nvPicPr>
-          <p:cNvPr id="4" name="Picture 3" descr="Screen Shot 2015-05-27 at 5.03.41 PM.png"/>
-          <p:cNvPicPr>
-            <a:picLocks noChangeAspect="1"/>
-          </p:cNvPicPr>
-          <p:nvPr/>
-        </p:nvPicPr>
-        <p:blipFill>
-          <a:blip r:embed="rId2">
-            <a:extLst>
-              <a:ext uri="{28A0092B-C50C-407E-A947-70E740481C1C}">
-                <a14:useLocalDpi xmlns:a14="http://schemas.microsoft.com/office/drawing/2010/main" val="0"/>
-              </a:ext>
-            </a:extLst>
-          </a:blip>
-          <a:stretch>
-            <a:fillRect/>
-          </a:stretch>
-        </p:blipFill>
-        <p:spPr>
-          <a:xfrm>
-            <a:off x="595724" y="2489450"/>
-            <a:ext cx="7531100" cy="3822700"/>
-          </a:xfrm>
-          <a:prstGeom prst="rect">
-            <a:avLst/>
-          </a:prstGeom>
-        </p:spPr>
-      </p:pic>
-      <p:sp>
-        <p:nvSpPr>
-          <p:cNvPr id="5" name="TextBox 4"/>
-          <p:cNvSpPr txBox="1"/>
-          <p:nvPr/>
-        </p:nvSpPr>
-        <p:spPr>
-          <a:xfrm>
-            <a:off x="2108179" y="1904674"/>
-            <a:ext cx="4693057" cy="584776"/>
-          </a:xfrm>
-          <a:prstGeom prst="rect">
-            <a:avLst/>
-          </a:prstGeom>
-          <a:noFill/>
-        </p:spPr>
-        <p:txBody>
-          <a:bodyPr wrap="square" rtlCol="0">
-            <a:spAutoFit/>
-          </a:bodyPr>
-          <a:lstStyle/>
-          <a:p>
-            <a:r>
-              <a:rPr lang="en-US" sz="3200" b="1" dirty="0" err="1"/>
-              <a:t>y</a:t>
-            </a:r>
-            <a:r>
-              <a:rPr lang="en-US" sz="3200" b="1" dirty="0" err="1" smtClean="0"/>
-              <a:t>ourname.afnog.guru</a:t>
-            </a:r>
-            <a:endParaRPr lang="en-US" sz="3200" b="1" dirty="0"/>
-          </a:p>
-        </p:txBody>
-      </p:sp>
-      <p:sp>
-        <p:nvSpPr>
-          <p:cNvPr id="6" name="Rectangle 5"/>
-          <p:cNvSpPr/>
-          <p:nvPr/>
-        </p:nvSpPr>
-        <p:spPr>
-          <a:xfrm>
-            <a:off x="853029" y="5270281"/>
-            <a:ext cx="3260468" cy="436030"/>
-          </a:xfrm>
-          <a:prstGeom prst="rect">
-            <a:avLst/>
-          </a:prstGeom>
-        </p:spPr>
-        <p:style>
-          <a:lnRef idx="1">
-            <a:schemeClr val="accent1"/>
-          </a:lnRef>
-          <a:fillRef idx="3">
-            <a:schemeClr val="accent1"/>
-          </a:fillRef>
-          <a:effectRef idx="2">
-            <a:schemeClr val="accent1"/>
-          </a:effectRef>
-          <a:fontRef idx="minor">
-            <a:schemeClr val="lt1"/>
-          </a:fontRef>
-        </p:style>
-        <p:txBody>
-          <a:bodyPr rtlCol="0" anchor="ctr"/>
-          <a:lstStyle/>
-          <a:p>
-            <a:r>
-              <a:rPr lang="en-US" sz="2000" b="1" dirty="0" err="1"/>
-              <a:t>yourname.afnog.guru</a:t>
-            </a:r>
-            <a:endParaRPr lang="en-US" sz="2000" b="1" dirty="0"/>
-          </a:p>
-        </p:txBody>
-      </p:sp>
-    </p:spTree>
-    <p:extLst>
-      <p:ext uri="{BB962C8B-B14F-4D97-AF65-F5344CB8AC3E}">
-        <p14:creationId xmlns:p14="http://schemas.microsoft.com/office/powerpoint/2010/main" val="3332952049"/>
-      </p:ext>
-    </p:extLst>
-  </p:cSld>
-  <p:clrMapOvr>
-    <a:masterClrMapping/>
-  </p:clrMapOvr>
-</p:sld>
-</file>
-
-<file path=ppt/slides/slide12.xml><?xml version="1.0" encoding="utf-8"?>
-<p:sld xmlns:a="http://schemas.openxmlformats.org/drawingml/2006/main" xmlns:r="http://schemas.openxmlformats.org/officeDocument/2006/relationships" xmlns:p="http://schemas.openxmlformats.org/presentationml/2006/main">
-  <p:cSld>
-    <p:spTree>
-      <p:nvGrpSpPr>
-        <p:cNvPr id="1" name=""/>
-        <p:cNvGrpSpPr/>
-        <p:nvPr/>
-      </p:nvGrpSpPr>
-      <p:grpSpPr>
-        <a:xfrm>
-          <a:off x="0" y="0"/>
-          <a:ext cx="0" cy="0"/>
-          <a:chOff x="0" y="0"/>
-          <a:chExt cx="0" cy="0"/>
-        </a:xfrm>
-      </p:grpSpPr>
-      <p:sp>
-        <p:nvSpPr>
-          <p:cNvPr id="2" name="Title 1"/>
-          <p:cNvSpPr>
-            <a:spLocks noGrp="1"/>
-          </p:cNvSpPr>
-          <p:nvPr>
-            <p:ph type="title"/>
-          </p:nvPr>
-        </p:nvSpPr>
-        <p:spPr>
-          <a:xfrm>
-            <a:off x="191911" y="401638"/>
-            <a:ext cx="8229600" cy="1602140"/>
-          </a:xfrm>
-        </p:spPr>
-        <p:txBody>
-          <a:bodyPr>
-            <a:normAutofit/>
-          </a:bodyPr>
-          <a:lstStyle/>
-          <a:p>
-            <a:r>
-              <a:rPr lang="en-US" b="1" dirty="0" smtClean="0"/>
-              <a:t>Set your </a:t>
-            </a:r>
-            <a:r>
-              <a:rPr lang="en-US" b="1" dirty="0" err="1" smtClean="0"/>
-              <a:t>afnog</a:t>
-            </a:r>
-            <a:r>
-              <a:rPr lang="en-US" b="1" dirty="0" smtClean="0"/>
-              <a:t> email address to receive spam reports</a:t>
-            </a:r>
-            <a:endParaRPr lang="en-US" b="1" dirty="0"/>
-          </a:p>
-        </p:txBody>
-      </p:sp>
-      <p:pic>
-        <p:nvPicPr>
-          <p:cNvPr id="7" name="Picture 6" descr="Screen Shot 2016-05-30 at 4.26.37 PM.png"/>
-          <p:cNvPicPr>
-            <a:picLocks noChangeAspect="1"/>
-          </p:cNvPicPr>
-          <p:nvPr/>
-        </p:nvPicPr>
-        <p:blipFill>
-          <a:blip r:embed="rId2">
-            <a:extLst>
-              <a:ext uri="{28A0092B-C50C-407E-A947-70E740481C1C}">
-                <a14:useLocalDpi xmlns:a14="http://schemas.microsoft.com/office/drawing/2010/main" val="0"/>
-              </a:ext>
-            </a:extLst>
-          </a:blip>
-          <a:stretch>
-            <a:fillRect/>
-          </a:stretch>
-        </p:blipFill>
-        <p:spPr>
-          <a:xfrm>
-            <a:off x="328948" y="2681111"/>
-            <a:ext cx="8092563" cy="1306689"/>
-          </a:xfrm>
-          <a:prstGeom prst="rect">
-            <a:avLst/>
-          </a:prstGeom>
-        </p:spPr>
-      </p:pic>
-      <p:sp>
-        <p:nvSpPr>
-          <p:cNvPr id="8" name="TextBox 7"/>
-          <p:cNvSpPr txBox="1"/>
-          <p:nvPr/>
-        </p:nvSpPr>
-        <p:spPr>
-          <a:xfrm>
-            <a:off x="2723444" y="4953000"/>
-            <a:ext cx="2424800" cy="369332"/>
-          </a:xfrm>
-          <a:prstGeom prst="rect">
-            <a:avLst/>
-          </a:prstGeom>
-          <a:noFill/>
-        </p:spPr>
-        <p:txBody>
-          <a:bodyPr wrap="none" rtlCol="0">
-            <a:spAutoFit/>
-          </a:bodyPr>
-          <a:lstStyle/>
-          <a:p>
-            <a:r>
-              <a:rPr lang="en-US" b="1" dirty="0" err="1" smtClean="0"/>
-              <a:t>afnog@XXX.afnog.guru</a:t>
-            </a:r>
-            <a:endParaRPr lang="en-US" b="1" dirty="0"/>
-          </a:p>
-        </p:txBody>
-      </p:sp>
-    </p:spTree>
-    <p:extLst>
-      <p:ext uri="{BB962C8B-B14F-4D97-AF65-F5344CB8AC3E}">
-        <p14:creationId xmlns:p14="http://schemas.microsoft.com/office/powerpoint/2010/main" val="1871453773"/>
-      </p:ext>
-    </p:extLst>
-  </p:cSld>
-  <p:clrMapOvr>
-    <a:masterClrMapping/>
-  </p:clrMapOvr>
-</p:sld>
-</file>
-
-<file path=ppt/slides/slide13.xml><?xml version="1.0" encoding="utf-8"?>
-<p:sld xmlns:a="http://schemas.openxmlformats.org/drawingml/2006/main" xmlns:r="http://schemas.openxmlformats.org/officeDocument/2006/relationships" xmlns:p="http://schemas.openxmlformats.org/presentationml/2006/main">
-  <p:cSld>
-    <p:spTree>
-      <p:nvGrpSpPr>
-        <p:cNvPr id="1" name=""/>
-        <p:cNvGrpSpPr/>
-        <p:nvPr/>
-      </p:nvGrpSpPr>
-      <p:grpSpPr>
-        <a:xfrm>
-          <a:off x="0" y="0"/>
-          <a:ext cx="0" cy="0"/>
-          <a:chOff x="0" y="0"/>
-          <a:chExt cx="0" cy="0"/>
-        </a:xfrm>
-      </p:grpSpPr>
-      <p:sp>
-        <p:nvSpPr>
-          <p:cNvPr id="2" name="Title 1"/>
-          <p:cNvSpPr>
-            <a:spLocks noGrp="1"/>
-          </p:cNvSpPr>
-          <p:nvPr>
-            <p:ph type="title"/>
-          </p:nvPr>
-        </p:nvSpPr>
-        <p:spPr/>
-        <p:txBody>
-          <a:bodyPr/>
-          <a:lstStyle/>
-          <a:p>
-            <a:r>
-              <a:rPr lang="en-US" b="1" dirty="0" smtClean="0"/>
               <a:t>End of installation</a:t>
             </a:r>
             <a:endParaRPr lang="en-US" b="1" dirty="0"/>
@@ -3770,16 +3398,12 @@
           <a:lstStyle/>
           <a:p>
             <a:r>
-              <a:rPr lang="en-US" b="1" smtClean="0"/>
+              <a:rPr lang="en-US" b="1" dirty="0" smtClean="0"/>
               <a:t>Do NOT </a:t>
             </a:r>
             <a:r>
-              <a:rPr lang="en-US" b="1" smtClean="0"/>
-              <a:t>Install </a:t>
-            </a:r>
-            <a:r>
               <a:rPr lang="en-US" b="1" dirty="0" smtClean="0"/>
-              <a:t>any MTA</a:t>
+              <a:t>Install any MTA</a:t>
             </a:r>
             <a:endParaRPr lang="en-US" b="1" dirty="0"/>
           </a:p>
@@ -4284,16 +3908,29 @@
             <p:ph type="title"/>
           </p:nvPr>
         </p:nvSpPr>
-        <p:spPr/>
+        <p:spPr>
+          <a:xfrm>
+            <a:off x="191911" y="401638"/>
+            <a:ext cx="8229600" cy="1602140"/>
+          </a:xfrm>
+        </p:spPr>
         <p:txBody>
           <a:bodyPr>
-            <a:normAutofit fontScale="90000"/>
+            <a:normAutofit/>
           </a:bodyPr>
           <a:lstStyle/>
           <a:p>
             <a:r>
               <a:rPr lang="en-US" b="1" dirty="0" smtClean="0"/>
-              <a:t>Postfix Screen: Read then press enter</a:t>
+              <a:t>Set your </a:t>
+            </a:r>
+            <a:r>
+              <a:rPr lang="en-US" b="1" dirty="0" err="1" smtClean="0"/>
+              <a:t>afnog</a:t>
+            </a:r>
+            <a:r>
+              <a:rPr lang="en-US" b="1" dirty="0" smtClean="0"/>
+              <a:t> email address to receive spam reports</a:t>
             </a:r>
             <a:endParaRPr lang="en-US" b="1" dirty="0"/>
           </a:p>
@@ -4301,7 +3938,7 @@
       </p:sp>
       <p:pic>
         <p:nvPicPr>
-          <p:cNvPr id="4" name="Picture 3" descr="Screen Shot 2015-05-27 at 5.03.19 PM.png"/>
+          <p:cNvPr id="7" name="Picture 6" descr="Screen Shot 2016-05-30 at 4.26.37 PM.png"/>
           <p:cNvPicPr>
             <a:picLocks noChangeAspect="1"/>
           </p:cNvPicPr>
@@ -4321,18 +3958,48 @@
         </p:blipFill>
         <p:spPr>
           <a:xfrm>
-            <a:off x="457200" y="1650060"/>
-            <a:ext cx="8140700" cy="5092700"/>
+            <a:off x="328948" y="2681111"/>
+            <a:ext cx="8092563" cy="1306689"/>
           </a:xfrm>
           <a:prstGeom prst="rect">
             <a:avLst/>
           </a:prstGeom>
         </p:spPr>
       </p:pic>
+      <p:sp>
+        <p:nvSpPr>
+          <p:cNvPr id="8" name="TextBox 7"/>
+          <p:cNvSpPr txBox="1"/>
+          <p:nvPr/>
+        </p:nvSpPr>
+        <p:spPr>
+          <a:xfrm>
+            <a:off x="2723444" y="4953000"/>
+            <a:ext cx="2424800" cy="369332"/>
+          </a:xfrm>
+          <a:prstGeom prst="rect">
+            <a:avLst/>
+          </a:prstGeom>
+          <a:noFill/>
+        </p:spPr>
+        <p:txBody>
+          <a:bodyPr wrap="none" rtlCol="0">
+            <a:spAutoFit/>
+          </a:bodyPr>
+          <a:lstStyle/>
+          <a:p>
+            <a:r>
+              <a:rPr lang="en-US" b="1" dirty="0" err="1" smtClean="0"/>
+              <a:t>afnog@XXX.afnog.guru</a:t>
+            </a:r>
+            <a:endParaRPr lang="en-US" b="1" dirty="0"/>
+          </a:p>
+        </p:txBody>
+      </p:sp>
     </p:spTree>
     <p:extLst>
       <p:ext uri="{BB962C8B-B14F-4D97-AF65-F5344CB8AC3E}">
-        <p14:creationId xmlns:p14="http://schemas.microsoft.com/office/powerpoint/2010/main" val="443292104"/>
+        <p14:creationId xmlns:p14="http://schemas.microsoft.com/office/powerpoint/2010/main" val="1871453773"/>
       </p:ext>
     </p:extLst>
   </p:cSld>
